--- a/docs/ARTEFATOS(15-23)/artefato15.pptx
+++ b/docs/ARTEFATOS(15-23)/artefato15.pptx
@@ -3274,7 +3274,7 @@
         <p:spPr>
           <a:xfrm>
             <a:off x="4033800" y="204840"/>
-            <a:ext cx="1998720" cy="848520"/>
+            <a:ext cx="1998000" cy="847800"/>
           </a:xfrm>
           <a:prstGeom prst="wave">
             <a:avLst>
@@ -3333,7 +3333,7 @@
         <p:spPr>
           <a:xfrm>
             <a:off x="2654280" y="2880000"/>
-            <a:ext cx="1377360" cy="583920"/>
+            <a:ext cx="1376640" cy="583200"/>
           </a:xfrm>
           <a:prstGeom prst="roundRect">
             <a:avLst>
@@ -3401,9 +3401,9 @@
         <p:grpSpPr>
           <a:xfrm>
             <a:off x="27360" y="2736000"/>
-            <a:ext cx="1123560" cy="913320"/>
+            <a:ext cx="1122840" cy="912600"/>
             <a:chOff x="27360" y="2736000"/>
-            <a:chExt cx="1123560" cy="913320"/>
+            <a:chExt cx="1122840" cy="912600"/>
           </a:xfrm>
         </p:grpSpPr>
         <p:grpSp>
@@ -3414,10 +3414,10 @@
           </p:nvGrpSpPr>
           <p:grpSpPr>
             <a:xfrm>
-              <a:off x="415440" y="2736000"/>
-              <a:ext cx="343080" cy="648000"/>
-              <a:chOff x="415440" y="2736000"/>
-              <a:chExt cx="343080" cy="648000"/>
+              <a:off x="414720" y="2736000"/>
+              <a:ext cx="343800" cy="648000"/>
+              <a:chOff x="414720" y="2736000"/>
+              <a:chExt cx="343800" cy="648000"/>
             </a:xfrm>
           </p:grpSpPr>
           <p:sp>
@@ -3429,7 +3429,7 @@
             <p:spPr>
               <a:xfrm>
                 <a:off x="484920" y="2736000"/>
-                <a:ext cx="212040" cy="214200"/>
+                <a:ext cx="211320" cy="213480"/>
               </a:xfrm>
               <a:prstGeom prst="flowChartConnector">
                 <a:avLst/>
@@ -3459,8 +3459,8 @@
             </p:nvSpPr>
             <p:spPr>
               <a:xfrm flipH="1">
-                <a:off x="585720" y="2952000"/>
-                <a:ext cx="1800" cy="222840"/>
+                <a:off x="585000" y="2952000"/>
+                <a:ext cx="1080" cy="222120"/>
               </a:xfrm>
               <a:custGeom>
                 <a:avLst/>
@@ -3502,7 +3502,7 @@
             <p:spPr>
               <a:xfrm>
                 <a:off x="437040" y="3049200"/>
-                <a:ext cx="308160" cy="360"/>
+                <a:ext cx="307440" cy="360"/>
               </a:xfrm>
               <a:custGeom>
                 <a:avLst/>
@@ -3543,8 +3543,8 @@
             </p:nvSpPr>
             <p:spPr>
               <a:xfrm flipH="1">
-                <a:off x="415440" y="3175560"/>
-                <a:ext cx="167760" cy="205920"/>
+                <a:off x="414720" y="3175560"/>
+                <a:ext cx="167040" cy="205200"/>
               </a:xfrm>
               <a:custGeom>
                 <a:avLst/>
@@ -3585,8 +3585,8 @@
             </p:nvSpPr>
             <p:spPr>
               <a:xfrm rot="10800000">
-                <a:off x="590400" y="3178080"/>
-                <a:ext cx="168120" cy="205920"/>
+                <a:off x="591120" y="3178800"/>
+                <a:ext cx="167400" cy="205200"/>
               </a:xfrm>
               <a:custGeom>
                 <a:avLst/>
@@ -3629,7 +3629,7 @@
           <p:spPr>
             <a:xfrm>
               <a:off x="27360" y="3273480"/>
-              <a:ext cx="1123560" cy="375840"/>
+              <a:ext cx="1122840" cy="375120"/>
             </a:xfrm>
             <a:prstGeom prst="rect">
               <a:avLst/>
@@ -3681,7 +3681,7 @@
         <p:spPr>
           <a:xfrm>
             <a:off x="2417040" y="1584000"/>
-            <a:ext cx="3342600" cy="1231200"/>
+            <a:ext cx="3341880" cy="1230480"/>
           </a:xfrm>
           <a:prstGeom prst="rect">
             <a:avLst/>
@@ -3702,7 +3702,7 @@
             <a:noAutofit/>
           </a:bodyPr>
           <a:p>
-            <a:pPr marL="457200" indent="-296280">
+            <a:pPr marL="457200" indent="-295560">
               <a:lnSpc>
                 <a:spcPct val="100000"/>
               </a:lnSpc>
@@ -3757,7 +3757,7 @@
         <p:spPr>
           <a:xfrm>
             <a:off x="2488320" y="4104000"/>
-            <a:ext cx="3342600" cy="913320"/>
+            <a:ext cx="3341880" cy="912600"/>
           </a:xfrm>
           <a:prstGeom prst="rect">
             <a:avLst/>
@@ -3778,7 +3778,7 @@
             <a:noAutofit/>
           </a:bodyPr>
           <a:p>
-            <a:pPr marL="457200" indent="-296280">
+            <a:pPr marL="457200" indent="-295560">
               <a:lnSpc>
                 <a:spcPct val="100000"/>
               </a:lnSpc>
@@ -3823,7 +3823,7 @@
         <p:spPr>
           <a:xfrm>
             <a:off x="8735760" y="5061600"/>
-            <a:ext cx="1275840" cy="522000"/>
+            <a:ext cx="1275120" cy="521280"/>
           </a:xfrm>
           <a:prstGeom prst="rect">
             <a:avLst/>
@@ -3864,7 +3864,7 @@
             </a:endParaRPr>
           </a:p>
           <a:p>
-            <a:pPr marL="457200" indent="-289800">
+            <a:pPr marL="457200" indent="-289080">
               <a:lnSpc>
                 <a:spcPct val="100000"/>
               </a:lnSpc>
@@ -3899,9 +3899,9 @@
         <p:grpSpPr>
           <a:xfrm>
             <a:off x="466920" y="1008000"/>
-            <a:ext cx="1476000" cy="905040"/>
+            <a:ext cx="1475280" cy="904320"/>
             <a:chOff x="466920" y="1008000"/>
-            <a:chExt cx="1476000" cy="905040"/>
+            <a:chExt cx="1475280" cy="904320"/>
           </a:xfrm>
         </p:grpSpPr>
         <p:grpSp>
@@ -3912,10 +3912,10 @@
           </p:nvGrpSpPr>
           <p:grpSpPr>
             <a:xfrm>
-              <a:off x="1017000" y="1008000"/>
-              <a:ext cx="303480" cy="642240"/>
-              <a:chOff x="1017000" y="1008000"/>
-              <a:chExt cx="303480" cy="642240"/>
+              <a:off x="1016280" y="1008000"/>
+              <a:ext cx="304200" cy="642240"/>
+              <a:chOff x="1016280" y="1008000"/>
+              <a:chExt cx="304200" cy="642240"/>
             </a:xfrm>
           </p:grpSpPr>
           <p:sp>
@@ -3927,7 +3927,7 @@
             <p:spPr>
               <a:xfrm>
                 <a:off x="1078560" y="1008000"/>
-                <a:ext cx="187560" cy="212040"/>
+                <a:ext cx="186840" cy="211320"/>
               </a:xfrm>
               <a:prstGeom prst="flowChartConnector">
                 <a:avLst/>
@@ -3957,8 +3957,8 @@
             </p:nvSpPr>
             <p:spPr>
               <a:xfrm flipH="1">
-                <a:off x="1167840" y="1222560"/>
-                <a:ext cx="1440" cy="220680"/>
+                <a:off x="1167120" y="1222560"/>
+                <a:ext cx="720" cy="219960"/>
               </a:xfrm>
               <a:custGeom>
                 <a:avLst/>
@@ -4000,7 +4000,7 @@
             <p:spPr>
               <a:xfrm>
                 <a:off x="1036080" y="1318320"/>
-                <a:ext cx="273240" cy="360"/>
+                <a:ext cx="272520" cy="360"/>
               </a:xfrm>
               <a:custGeom>
                 <a:avLst/>
@@ -4041,8 +4041,8 @@
             </p:nvSpPr>
             <p:spPr>
               <a:xfrm flipH="1">
-                <a:off x="1016640" y="1443960"/>
-                <a:ext cx="148680" cy="204120"/>
+                <a:off x="1015920" y="1443960"/>
+                <a:ext cx="147960" cy="203400"/>
               </a:xfrm>
               <a:custGeom>
                 <a:avLst/>
@@ -4083,8 +4083,8 @@
             </p:nvSpPr>
             <p:spPr>
               <a:xfrm rot="10800000">
-                <a:off x="1172160" y="1446120"/>
-                <a:ext cx="148320" cy="204120"/>
+                <a:off x="1172880" y="1446840"/>
+                <a:ext cx="147600" cy="203400"/>
               </a:xfrm>
               <a:custGeom>
                 <a:avLst/>
@@ -4127,7 +4127,7 @@
           <p:spPr>
             <a:xfrm>
               <a:off x="466920" y="1540800"/>
-              <a:ext cx="1476000" cy="372240"/>
+              <a:ext cx="1475280" cy="371520"/>
             </a:xfrm>
             <a:prstGeom prst="rect">
               <a:avLst/>
@@ -4179,7 +4179,7 @@
         <p:spPr>
           <a:xfrm>
             <a:off x="936000" y="2614320"/>
-            <a:ext cx="3342600" cy="913320"/>
+            <a:ext cx="3341880" cy="912600"/>
           </a:xfrm>
           <a:prstGeom prst="rect">
             <a:avLst/>
@@ -4200,7 +4200,7 @@
             <a:noAutofit/>
           </a:bodyPr>
           <a:p>
-            <a:pPr marL="457200" indent="-296280">
+            <a:pPr marL="457200" indent="-295560">
               <a:lnSpc>
                 <a:spcPct val="100000"/>
               </a:lnSpc>
@@ -4235,7 +4235,7 @@
             </a:endParaRPr>
           </a:p>
           <a:p>
-            <a:pPr marL="457200" indent="-296280">
+            <a:pPr marL="457200" indent="-295560">
               <a:lnSpc>
                 <a:spcPct val="100000"/>
               </a:lnSpc>
@@ -4280,9 +4280,9 @@
         <p:grpSpPr>
           <a:xfrm>
             <a:off x="675360" y="4176000"/>
-            <a:ext cx="1123560" cy="913320"/>
+            <a:ext cx="1122840" cy="912600"/>
             <a:chOff x="675360" y="4176000"/>
-            <a:chExt cx="1123560" cy="913320"/>
+            <a:chExt cx="1122840" cy="912600"/>
           </a:xfrm>
         </p:grpSpPr>
         <p:grpSp>
@@ -4293,10 +4293,10 @@
           </p:nvGrpSpPr>
           <p:grpSpPr>
             <a:xfrm>
-              <a:off x="1063440" y="4176000"/>
-              <a:ext cx="343080" cy="648000"/>
-              <a:chOff x="1063440" y="4176000"/>
-              <a:chExt cx="343080" cy="648000"/>
+              <a:off x="1062720" y="4176000"/>
+              <a:ext cx="343800" cy="648000"/>
+              <a:chOff x="1062720" y="4176000"/>
+              <a:chExt cx="343800" cy="648000"/>
             </a:xfrm>
           </p:grpSpPr>
           <p:sp>
@@ -4308,7 +4308,7 @@
             <p:spPr>
               <a:xfrm>
                 <a:off x="1132920" y="4176000"/>
-                <a:ext cx="212040" cy="214200"/>
+                <a:ext cx="211320" cy="213480"/>
               </a:xfrm>
               <a:prstGeom prst="flowChartConnector">
                 <a:avLst/>
@@ -4338,8 +4338,8 @@
             </p:nvSpPr>
             <p:spPr>
               <a:xfrm flipH="1">
-                <a:off x="1233720" y="4392000"/>
-                <a:ext cx="1800" cy="222840"/>
+                <a:off x="1233000" y="4392000"/>
+                <a:ext cx="1080" cy="222120"/>
               </a:xfrm>
               <a:custGeom>
                 <a:avLst/>
@@ -4381,7 +4381,7 @@
             <p:spPr>
               <a:xfrm>
                 <a:off x="1085040" y="4489200"/>
-                <a:ext cx="308160" cy="360"/>
+                <a:ext cx="307440" cy="360"/>
               </a:xfrm>
               <a:custGeom>
                 <a:avLst/>
@@ -4422,8 +4422,8 @@
             </p:nvSpPr>
             <p:spPr>
               <a:xfrm flipH="1">
-                <a:off x="1063440" y="4615560"/>
-                <a:ext cx="167760" cy="205920"/>
+                <a:off x="1062720" y="4615560"/>
+                <a:ext cx="167040" cy="205200"/>
               </a:xfrm>
               <a:custGeom>
                 <a:avLst/>
@@ -4464,8 +4464,8 @@
             </p:nvSpPr>
             <p:spPr>
               <a:xfrm rot="10800000">
-                <a:off x="1238400" y="4618080"/>
-                <a:ext cx="168120" cy="205920"/>
+                <a:off x="1239120" y="4618800"/>
+                <a:ext cx="167400" cy="205200"/>
               </a:xfrm>
               <a:custGeom>
                 <a:avLst/>
@@ -4508,7 +4508,7 @@
           <p:spPr>
             <a:xfrm>
               <a:off x="675360" y="4713480"/>
-              <a:ext cx="1123560" cy="375840"/>
+              <a:ext cx="1122840" cy="375120"/>
             </a:xfrm>
             <a:prstGeom prst="rect">
               <a:avLst/>
@@ -4560,7 +4560,7 @@
         <p:spPr>
           <a:xfrm>
             <a:off x="1943280" y="1460520"/>
-            <a:ext cx="1399680" cy="1419480"/>
+            <a:ext cx="1398960" cy="1418760"/>
           </a:xfrm>
           <a:custGeom>
             <a:avLst/>
@@ -4600,8 +4600,8 @@
         </p:nvSpPr>
         <p:spPr>
           <a:xfrm flipV="1">
-            <a:off x="1799280" y="3463920"/>
-            <a:ext cx="1543680" cy="1168560"/>
+            <a:off x="1799280" y="3462480"/>
+            <a:ext cx="1542960" cy="1167840"/>
           </a:xfrm>
           <a:custGeom>
             <a:avLst/>
@@ -4641,8 +4641,8 @@
         </p:nvSpPr>
         <p:spPr>
           <a:xfrm flipV="1">
-            <a:off x="1151280" y="3171600"/>
-            <a:ext cx="1503000" cy="20880"/>
+            <a:off x="1151280" y="3170160"/>
+            <a:ext cx="1502280" cy="20160"/>
           </a:xfrm>
           <a:custGeom>
             <a:avLst/>
@@ -4713,7 +4713,7 @@
         <p:spPr>
           <a:xfrm>
             <a:off x="143280" y="1593360"/>
-            <a:ext cx="9414720" cy="1505160"/>
+            <a:ext cx="9414000" cy="1504440"/>
           </a:xfrm>
           <a:prstGeom prst="rect">
             <a:avLst/>
@@ -4767,7 +4767,7 @@
         <p:spPr>
           <a:xfrm>
             <a:off x="4033800" y="204840"/>
-            <a:ext cx="1998720" cy="848520"/>
+            <a:ext cx="1998000" cy="847800"/>
           </a:xfrm>
           <a:prstGeom prst="wave">
             <a:avLst>
@@ -4796,7 +4796,7 @@
             <a:noAutofit/>
           </a:bodyPr>
           <a:p>
-            <a:pPr marL="457200" indent="-289800">
+            <a:pPr marL="457200" indent="-289080">
               <a:lnSpc>
                 <a:spcPct val="100000"/>
               </a:lnSpc>
@@ -4831,9 +4831,9 @@
         <p:grpSpPr>
           <a:xfrm>
             <a:off x="1637280" y="2081520"/>
-            <a:ext cx="1123560" cy="913680"/>
+            <a:ext cx="1122840" cy="912960"/>
             <a:chOff x="1637280" y="2081520"/>
-            <a:chExt cx="1123560" cy="913680"/>
+            <a:chExt cx="1122840" cy="912960"/>
           </a:xfrm>
         </p:grpSpPr>
         <p:grpSp>
@@ -4844,10 +4844,10 @@
           </p:nvGrpSpPr>
           <p:grpSpPr>
             <a:xfrm>
-              <a:off x="2025360" y="2081520"/>
-              <a:ext cx="343080" cy="648000"/>
-              <a:chOff x="2025360" y="2081520"/>
-              <a:chExt cx="343080" cy="648000"/>
+              <a:off x="2024640" y="2081520"/>
+              <a:ext cx="343800" cy="648000"/>
+              <a:chOff x="2024640" y="2081520"/>
+              <a:chExt cx="343800" cy="648000"/>
             </a:xfrm>
           </p:grpSpPr>
           <p:sp>
@@ -4859,7 +4859,7 @@
             <p:spPr>
               <a:xfrm>
                 <a:off x="2094840" y="2081520"/>
-                <a:ext cx="212040" cy="214200"/>
+                <a:ext cx="211320" cy="213480"/>
               </a:xfrm>
               <a:prstGeom prst="flowChartConnector">
                 <a:avLst/>
@@ -4889,8 +4889,8 @@
             </p:nvSpPr>
             <p:spPr>
               <a:xfrm flipH="1">
-                <a:off x="2195640" y="2297880"/>
-                <a:ext cx="1800" cy="222840"/>
+                <a:off x="2194920" y="2297880"/>
+                <a:ext cx="1080" cy="222120"/>
               </a:xfrm>
               <a:custGeom>
                 <a:avLst/>
@@ -4932,7 +4932,7 @@
             <p:spPr>
               <a:xfrm>
                 <a:off x="2046960" y="2395080"/>
-                <a:ext cx="308160" cy="360"/>
+                <a:ext cx="307440" cy="360"/>
               </a:xfrm>
               <a:custGeom>
                 <a:avLst/>
@@ -4973,8 +4973,8 @@
             </p:nvSpPr>
             <p:spPr>
               <a:xfrm flipH="1">
-                <a:off x="2025360" y="2521440"/>
-                <a:ext cx="167760" cy="205920"/>
+                <a:off x="2024640" y="2521440"/>
+                <a:ext cx="167040" cy="205200"/>
               </a:xfrm>
               <a:custGeom>
                 <a:avLst/>
@@ -5015,8 +5015,8 @@
             </p:nvSpPr>
             <p:spPr>
               <a:xfrm rot="10800000">
-                <a:off x="2200320" y="2523600"/>
-                <a:ext cx="168120" cy="205920"/>
+                <a:off x="2201040" y="2524320"/>
+                <a:ext cx="167400" cy="205200"/>
               </a:xfrm>
               <a:custGeom>
                 <a:avLst/>
@@ -5059,7 +5059,7 @@
           <p:spPr>
             <a:xfrm>
               <a:off x="1637280" y="2619360"/>
-              <a:ext cx="1123560" cy="375840"/>
+              <a:ext cx="1122840" cy="375120"/>
             </a:xfrm>
             <a:prstGeom prst="rect">
               <a:avLst/>
@@ -5111,7 +5111,7 @@
         <p:spPr>
           <a:xfrm>
             <a:off x="143280" y="3100680"/>
-            <a:ext cx="9414720" cy="1505160"/>
+            <a:ext cx="9414000" cy="1504440"/>
           </a:xfrm>
           <a:prstGeom prst="rect">
             <a:avLst/>
@@ -5164,8 +5164,8 @@
         </p:nvSpPr>
         <p:spPr>
           <a:xfrm>
-            <a:off x="3582360" y="3888000"/>
-            <a:ext cx="1817280" cy="647640"/>
+            <a:off x="3582360" y="3744720"/>
+            <a:ext cx="1816560" cy="646920"/>
           </a:xfrm>
           <a:prstGeom prst="bracketPair">
             <a:avLst>
@@ -5191,7 +5191,7 @@
             <a:noAutofit/>
           </a:bodyPr>
           <a:p>
-            <a:pPr marL="457200" indent="-289800">
+            <a:pPr marL="457200" indent="-289080">
               <a:lnSpc>
                 <a:spcPct val="100000"/>
               </a:lnSpc>
@@ -5209,57 +5209,7 @@
                 <a:latin typeface="Arial"/>
                 <a:ea typeface="Arial"/>
               </a:rPr>
-              <a:t>Entregar cardápio.</a:t>
-            </a:r>
-            <a:endParaRPr b="0" lang="pt-BR" sz="1000" spc="-1" strike="noStrike">
-              <a:latin typeface="Arial"/>
-            </a:endParaRPr>
-          </a:p>
-          <a:p>
-            <a:pPr marL="457200" indent="-289800">
-              <a:lnSpc>
-                <a:spcPct val="100000"/>
-              </a:lnSpc>
-              <a:buClr>
-                <a:srgbClr val="000000"/>
-              </a:buClr>
-              <a:buFont typeface="Arial"/>
-              <a:buChar char="●"/>
-            </a:pPr>
-            <a:r>
-              <a:rPr b="0" lang="pt-BR" sz="1000" spc="-1" strike="noStrike">
-                <a:solidFill>
-                  <a:srgbClr val="000000"/>
-                </a:solidFill>
-                <a:latin typeface="Arial"/>
-                <a:ea typeface="Arial"/>
-              </a:rPr>
-              <a:t>Anotar pedido.</a:t>
-            </a:r>
-            <a:endParaRPr b="0" lang="pt-BR" sz="1000" spc="-1" strike="noStrike">
-              <a:latin typeface="Arial"/>
-            </a:endParaRPr>
-          </a:p>
-          <a:p>
-            <a:pPr marL="457200" indent="-289800">
-              <a:lnSpc>
-                <a:spcPct val="100000"/>
-              </a:lnSpc>
-              <a:buClr>
-                <a:srgbClr val="000000"/>
-              </a:buClr>
-              <a:buFont typeface="Arial"/>
-              <a:buChar char="●"/>
-            </a:pPr>
-            <a:r>
-              <a:rPr b="0" lang="pt-BR" sz="1000" spc="-1" strike="noStrike">
-                <a:solidFill>
-                  <a:srgbClr val="000000"/>
-                </a:solidFill>
-                <a:latin typeface="Arial"/>
-                <a:ea typeface="Arial"/>
-              </a:rPr>
-              <a:t>Entregar pedido.</a:t>
+              <a:t>Atender cliente</a:t>
             </a:r>
             <a:endParaRPr b="0" lang="pt-BR" sz="1000" spc="-1" strike="noStrike">
               <a:latin typeface="Arial"/>
@@ -5276,7 +5226,7 @@
         <p:spPr>
           <a:xfrm>
             <a:off x="3929040" y="2026800"/>
-            <a:ext cx="1103040" cy="583920"/>
+            <a:ext cx="1102320" cy="583200"/>
           </a:xfrm>
           <a:prstGeom prst="roundRect">
             <a:avLst>
@@ -5344,7 +5294,7 @@
         <p:spPr>
           <a:xfrm>
             <a:off x="5298480" y="2027880"/>
-            <a:ext cx="1103040" cy="583920"/>
+            <a:ext cx="1102320" cy="583200"/>
           </a:xfrm>
           <a:prstGeom prst="roundRect">
             <a:avLst>
@@ -5412,7 +5362,7 @@
         <p:spPr>
           <a:xfrm>
             <a:off x="6671880" y="2016000"/>
-            <a:ext cx="1103040" cy="583920"/>
+            <a:ext cx="1102320" cy="583200"/>
           </a:xfrm>
           <a:prstGeom prst="roundRect">
             <a:avLst>
@@ -5588,7 +5538,7 @@
         <p:spPr>
           <a:xfrm>
             <a:off x="5760000" y="3888000"/>
-            <a:ext cx="1223640" cy="245520"/>
+            <a:ext cx="1222920" cy="244800"/>
           </a:xfrm>
           <a:prstGeom prst="bracketPair">
             <a:avLst>
@@ -5614,7 +5564,7 @@
             <a:noAutofit/>
           </a:bodyPr>
           <a:p>
-            <a:pPr marL="457200" indent="-289800">
+            <a:pPr marL="457200" indent="-289080">
               <a:lnSpc>
                 <a:spcPct val="100000"/>
               </a:lnSpc>
@@ -5649,7 +5599,7 @@
         <p:spPr>
           <a:xfrm>
             <a:off x="7272000" y="3888000"/>
-            <a:ext cx="1726920" cy="245520"/>
+            <a:ext cx="1726200" cy="503640"/>
           </a:xfrm>
           <a:prstGeom prst="bracketPair">
             <a:avLst>
@@ -5675,7 +5625,7 @@
             <a:noAutofit/>
           </a:bodyPr>
           <a:p>
-            <a:pPr marL="457200" indent="-289800">
+            <a:pPr marL="457200" indent="-289080">
               <a:lnSpc>
                 <a:spcPct val="100000"/>
               </a:lnSpc>
@@ -5699,6 +5649,31 @@
               <a:latin typeface="Arial"/>
             </a:endParaRPr>
           </a:p>
+          <a:p>
+            <a:pPr marL="457200" indent="-289080">
+              <a:lnSpc>
+                <a:spcPct val="100000"/>
+              </a:lnSpc>
+              <a:buClr>
+                <a:srgbClr val="000000"/>
+              </a:buClr>
+              <a:buFont typeface="Arial"/>
+              <a:buChar char="●"/>
+            </a:pPr>
+            <a:r>
+              <a:rPr b="0" lang="pt-BR" sz="1000" spc="-1" strike="noStrike">
+                <a:solidFill>
+                  <a:srgbClr val="000000"/>
+                </a:solidFill>
+                <a:latin typeface="Arial"/>
+                <a:ea typeface="Arial"/>
+              </a:rPr>
+              <a:t>Registrar devedor</a:t>
+            </a:r>
+            <a:endParaRPr b="0" lang="pt-BR" sz="1000" spc="-1" strike="noStrike">
+              <a:latin typeface="Arial"/>
+            </a:endParaRPr>
+          </a:p>
         </p:txBody>
       </p:sp>
       <p:sp>
@@ -5736,8 +5711,8 @@
         </p:nvSpPr>
         <p:spPr>
           <a:xfrm flipH="1" flipV="1">
-            <a:off x="4479480" y="2610360"/>
-            <a:ext cx="10440" cy="1276920"/>
+            <a:off x="4488120" y="2610000"/>
+            <a:ext cx="360" cy="1134000"/>
           </a:xfrm>
           <a:custGeom>
             <a:avLst/>
@@ -5835,7 +5810,7 @@
         <p:spPr>
           <a:xfrm>
             <a:off x="143280" y="1593360"/>
-            <a:ext cx="9414720" cy="1505160"/>
+            <a:ext cx="9414000" cy="1504440"/>
           </a:xfrm>
           <a:prstGeom prst="rect">
             <a:avLst/>
@@ -5889,7 +5864,7 @@
         <p:spPr>
           <a:xfrm>
             <a:off x="4033800" y="204840"/>
-            <a:ext cx="1998720" cy="848520"/>
+            <a:ext cx="1998000" cy="847800"/>
           </a:xfrm>
           <a:prstGeom prst="wave">
             <a:avLst>
@@ -5918,7 +5893,7 @@
             <a:noAutofit/>
           </a:bodyPr>
           <a:p>
-            <a:pPr marL="457200" indent="-289800">
+            <a:pPr marL="457200" indent="-289080">
               <a:lnSpc>
                 <a:spcPct val="100000"/>
               </a:lnSpc>
@@ -5953,9 +5928,9 @@
         <p:grpSpPr>
           <a:xfrm>
             <a:off x="1637280" y="2081520"/>
-            <a:ext cx="1123560" cy="913680"/>
+            <a:ext cx="1122840" cy="912960"/>
             <a:chOff x="1637280" y="2081520"/>
-            <a:chExt cx="1123560" cy="913680"/>
+            <a:chExt cx="1122840" cy="912960"/>
           </a:xfrm>
         </p:grpSpPr>
         <p:grpSp>
@@ -5966,10 +5941,10 @@
           </p:nvGrpSpPr>
           <p:grpSpPr>
             <a:xfrm>
-              <a:off x="2025360" y="2081520"/>
-              <a:ext cx="343080" cy="648000"/>
-              <a:chOff x="2025360" y="2081520"/>
-              <a:chExt cx="343080" cy="648000"/>
+              <a:off x="2024640" y="2081520"/>
+              <a:ext cx="343800" cy="648000"/>
+              <a:chOff x="2024640" y="2081520"/>
+              <a:chExt cx="343800" cy="648000"/>
             </a:xfrm>
           </p:grpSpPr>
           <p:sp>
@@ -5981,7 +5956,7 @@
             <p:spPr>
               <a:xfrm>
                 <a:off x="2094840" y="2081520"/>
-                <a:ext cx="212040" cy="214200"/>
+                <a:ext cx="211320" cy="213480"/>
               </a:xfrm>
               <a:prstGeom prst="flowChartConnector">
                 <a:avLst/>
@@ -6011,8 +5986,8 @@
             </p:nvSpPr>
             <p:spPr>
               <a:xfrm flipH="1">
-                <a:off x="2195640" y="2297880"/>
-                <a:ext cx="1800" cy="222840"/>
+                <a:off x="2194920" y="2297880"/>
+                <a:ext cx="1080" cy="222120"/>
               </a:xfrm>
               <a:custGeom>
                 <a:avLst/>
@@ -6054,7 +6029,7 @@
             <p:spPr>
               <a:xfrm>
                 <a:off x="2046960" y="2395080"/>
-                <a:ext cx="308160" cy="360"/>
+                <a:ext cx="307440" cy="360"/>
               </a:xfrm>
               <a:custGeom>
                 <a:avLst/>
@@ -6095,8 +6070,8 @@
             </p:nvSpPr>
             <p:spPr>
               <a:xfrm flipH="1">
-                <a:off x="2025360" y="2521440"/>
-                <a:ext cx="167760" cy="205920"/>
+                <a:off x="2024640" y="2521440"/>
+                <a:ext cx="167040" cy="205200"/>
               </a:xfrm>
               <a:custGeom>
                 <a:avLst/>
@@ -6137,8 +6112,8 @@
             </p:nvSpPr>
             <p:spPr>
               <a:xfrm rot="10800000">
-                <a:off x="2200320" y="2523600"/>
-                <a:ext cx="168120" cy="205920"/>
+                <a:off x="2201040" y="2524320"/>
+                <a:ext cx="167400" cy="205200"/>
               </a:xfrm>
               <a:custGeom>
                 <a:avLst/>
@@ -6181,7 +6156,7 @@
           <p:spPr>
             <a:xfrm>
               <a:off x="1637280" y="2619360"/>
-              <a:ext cx="1123560" cy="375840"/>
+              <a:ext cx="1122840" cy="375120"/>
             </a:xfrm>
             <a:prstGeom prst="rect">
               <a:avLst/>
@@ -6233,7 +6208,7 @@
         <p:spPr>
           <a:xfrm>
             <a:off x="143280" y="3100680"/>
-            <a:ext cx="9414720" cy="1505160"/>
+            <a:ext cx="9414000" cy="1504440"/>
           </a:xfrm>
           <a:prstGeom prst="rect">
             <a:avLst/>
@@ -6287,7 +6262,7 @@
         <p:spPr>
           <a:xfrm>
             <a:off x="2960640" y="3744000"/>
-            <a:ext cx="1358280" cy="272880"/>
+            <a:ext cx="1357560" cy="272160"/>
           </a:xfrm>
           <a:prstGeom prst="bracketPair">
             <a:avLst>
@@ -6313,7 +6288,7 @@
             <a:noAutofit/>
           </a:bodyPr>
           <a:p>
-            <a:pPr marL="457200" indent="-289800">
+            <a:pPr marL="457200" indent="-289080">
               <a:lnSpc>
                 <a:spcPct val="100000"/>
               </a:lnSpc>
@@ -6348,7 +6323,7 @@
         <p:spPr>
           <a:xfrm>
             <a:off x="5519880" y="2016000"/>
-            <a:ext cx="1103040" cy="583920"/>
+            <a:ext cx="1102320" cy="583200"/>
           </a:xfrm>
           <a:prstGeom prst="roundRect">
             <a:avLst>
@@ -6416,7 +6391,7 @@
         <p:spPr>
           <a:xfrm>
             <a:off x="3816000" y="2016000"/>
-            <a:ext cx="1103040" cy="583920"/>
+            <a:ext cx="1102320" cy="583200"/>
           </a:xfrm>
           <a:prstGeom prst="roundRect">
             <a:avLst>
@@ -6538,7 +6513,7 @@
         <p:spPr>
           <a:xfrm>
             <a:off x="6272640" y="3744720"/>
-            <a:ext cx="1359000" cy="286920"/>
+            <a:ext cx="1358280" cy="286200"/>
           </a:xfrm>
           <a:prstGeom prst="bracketPair">
             <a:avLst>
@@ -6564,7 +6539,7 @@
             <a:noAutofit/>
           </a:bodyPr>
           <a:p>
-            <a:pPr marL="457200" indent="-289800">
+            <a:pPr marL="457200" indent="-289080">
               <a:lnSpc>
                 <a:spcPct val="100000"/>
               </a:lnSpc>
@@ -6599,7 +6574,7 @@
         <p:spPr>
           <a:xfrm>
             <a:off x="4608000" y="3758040"/>
-            <a:ext cx="1295640" cy="272880"/>
+            <a:ext cx="1294920" cy="272160"/>
           </a:xfrm>
           <a:prstGeom prst="bracketPair">
             <a:avLst>
@@ -6625,7 +6600,7 @@
             <a:noAutofit/>
           </a:bodyPr>
           <a:p>
-            <a:pPr marL="457200" indent="-289800">
+            <a:pPr marL="457200" indent="-289080">
               <a:lnSpc>
                 <a:spcPct val="100000"/>
               </a:lnSpc>
@@ -6825,7 +6800,7 @@
         <p:spPr>
           <a:xfrm>
             <a:off x="143280" y="1593360"/>
-            <a:ext cx="9414720" cy="1505160"/>
+            <a:ext cx="9414000" cy="1504440"/>
           </a:xfrm>
           <a:prstGeom prst="rect">
             <a:avLst/>
@@ -6879,7 +6854,7 @@
         <p:spPr>
           <a:xfrm>
             <a:off x="4033800" y="204840"/>
-            <a:ext cx="1998720" cy="848520"/>
+            <a:ext cx="1998000" cy="847800"/>
           </a:xfrm>
           <a:prstGeom prst="wave">
             <a:avLst>
@@ -6908,7 +6883,7 @@
             <a:noAutofit/>
           </a:bodyPr>
           <a:p>
-            <a:pPr marL="457200" indent="-289800">
+            <a:pPr marL="457200" indent="-289080">
               <a:lnSpc>
                 <a:spcPct val="100000"/>
               </a:lnSpc>
@@ -6933,7 +6908,7 @@
             </a:endParaRPr>
           </a:p>
           <a:p>
-            <a:pPr marL="457200" indent="-289800">
+            <a:pPr marL="457200" indent="-289080">
               <a:lnSpc>
                 <a:spcPct val="100000"/>
               </a:lnSpc>
@@ -6968,9 +6943,9 @@
         <p:grpSpPr>
           <a:xfrm>
             <a:off x="1637280" y="2081520"/>
-            <a:ext cx="1123560" cy="913680"/>
+            <a:ext cx="1122840" cy="912960"/>
             <a:chOff x="1637280" y="2081520"/>
-            <a:chExt cx="1123560" cy="913680"/>
+            <a:chExt cx="1122840" cy="912960"/>
           </a:xfrm>
         </p:grpSpPr>
         <p:grpSp>
@@ -6981,10 +6956,10 @@
           </p:nvGrpSpPr>
           <p:grpSpPr>
             <a:xfrm>
-              <a:off x="2025360" y="2081520"/>
-              <a:ext cx="343080" cy="648000"/>
-              <a:chOff x="2025360" y="2081520"/>
-              <a:chExt cx="343080" cy="648000"/>
+              <a:off x="2024640" y="2081520"/>
+              <a:ext cx="343800" cy="648000"/>
+              <a:chOff x="2024640" y="2081520"/>
+              <a:chExt cx="343800" cy="648000"/>
             </a:xfrm>
           </p:grpSpPr>
           <p:sp>
@@ -6996,7 +6971,7 @@
             <p:spPr>
               <a:xfrm>
                 <a:off x="2094840" y="2081520"/>
-                <a:ext cx="212040" cy="214200"/>
+                <a:ext cx="211320" cy="213480"/>
               </a:xfrm>
               <a:prstGeom prst="flowChartConnector">
                 <a:avLst/>
@@ -7026,8 +7001,8 @@
             </p:nvSpPr>
             <p:spPr>
               <a:xfrm flipH="1">
-                <a:off x="2195640" y="2297880"/>
-                <a:ext cx="1800" cy="222840"/>
+                <a:off x="2194920" y="2297880"/>
+                <a:ext cx="1080" cy="222120"/>
               </a:xfrm>
               <a:custGeom>
                 <a:avLst/>
@@ -7069,7 +7044,7 @@
             <p:spPr>
               <a:xfrm>
                 <a:off x="2046960" y="2395080"/>
-                <a:ext cx="308160" cy="360"/>
+                <a:ext cx="307440" cy="360"/>
               </a:xfrm>
               <a:custGeom>
                 <a:avLst/>
@@ -7110,8 +7085,8 @@
             </p:nvSpPr>
             <p:spPr>
               <a:xfrm flipH="1">
-                <a:off x="2025360" y="2521440"/>
-                <a:ext cx="167760" cy="205920"/>
+                <a:off x="2024640" y="2521440"/>
+                <a:ext cx="167040" cy="205200"/>
               </a:xfrm>
               <a:custGeom>
                 <a:avLst/>
@@ -7152,8 +7127,8 @@
             </p:nvSpPr>
             <p:spPr>
               <a:xfrm rot="10800000">
-                <a:off x="2200320" y="2523600"/>
-                <a:ext cx="168120" cy="205920"/>
+                <a:off x="2201040" y="2524320"/>
+                <a:ext cx="167400" cy="205200"/>
               </a:xfrm>
               <a:custGeom>
                 <a:avLst/>
@@ -7196,7 +7171,7 @@
           <p:spPr>
             <a:xfrm>
               <a:off x="1637280" y="2619360"/>
-              <a:ext cx="1123560" cy="375840"/>
+              <a:ext cx="1122840" cy="375120"/>
             </a:xfrm>
             <a:prstGeom prst="rect">
               <a:avLst/>
@@ -7248,7 +7223,7 @@
         <p:spPr>
           <a:xfrm>
             <a:off x="143280" y="3100680"/>
-            <a:ext cx="9414720" cy="1505160"/>
+            <a:ext cx="9414000" cy="1504440"/>
           </a:xfrm>
           <a:prstGeom prst="rect">
             <a:avLst/>
@@ -7302,7 +7277,7 @@
         <p:spPr>
           <a:xfrm>
             <a:off x="5299560" y="3428640"/>
-            <a:ext cx="2582280" cy="848880"/>
+            <a:ext cx="2581560" cy="848160"/>
           </a:xfrm>
           <a:prstGeom prst="bracketPair">
             <a:avLst>
@@ -7328,7 +7303,7 @@
             <a:noAutofit/>
           </a:bodyPr>
           <a:p>
-            <a:pPr marL="457200" indent="-289800">
+            <a:pPr marL="457200" indent="-289080">
               <a:lnSpc>
                 <a:spcPct val="100000"/>
               </a:lnSpc>
@@ -7363,7 +7338,7 @@
         <p:spPr>
           <a:xfrm>
             <a:off x="3929040" y="2026800"/>
-            <a:ext cx="1103040" cy="583920"/>
+            <a:ext cx="1102320" cy="583200"/>
           </a:xfrm>
           <a:prstGeom prst="roundRect">
             <a:avLst>
@@ -7430,8 +7405,8 @@
         </p:nvSpPr>
         <p:spPr>
           <a:xfrm flipV="1">
-            <a:off x="2520000" y="627120"/>
-            <a:ext cx="1513080" cy="1819080"/>
+            <a:off x="2520000" y="625680"/>
+            <a:ext cx="1512360" cy="1818360"/>
           </a:xfrm>
           <a:prstGeom prst="curvedConnector3">
             <a:avLst>
@@ -7460,8 +7435,8 @@
         </p:nvSpPr>
         <p:spPr>
           <a:xfrm flipV="1">
-            <a:off x="4480920" y="1051920"/>
-            <a:ext cx="551880" cy="971640"/>
+            <a:off x="4480920" y="1050480"/>
+            <a:ext cx="551160" cy="970920"/>
           </a:xfrm>
           <a:custGeom>
             <a:avLst/>
@@ -7502,7 +7477,7 @@
         <p:spPr>
           <a:xfrm>
             <a:off x="4480560" y="2611080"/>
-            <a:ext cx="819000" cy="1242000"/>
+            <a:ext cx="818280" cy="1241280"/>
           </a:xfrm>
           <a:custGeom>
             <a:avLst/>

--- a/docs/ARTEFATOS(15-23)/artefato15.pptx
+++ b/docs/ARTEFATOS(15-23)/artefato15.pptx
@@ -3274,7 +3274,7 @@
         <p:spPr>
           <a:xfrm>
             <a:off x="4033800" y="204840"/>
-            <a:ext cx="1998000" cy="847800"/>
+            <a:ext cx="1997640" cy="847440"/>
           </a:xfrm>
           <a:prstGeom prst="wave">
             <a:avLst>
@@ -3333,7 +3333,7 @@
         <p:spPr>
           <a:xfrm>
             <a:off x="2654280" y="2880000"/>
-            <a:ext cx="1376640" cy="583200"/>
+            <a:ext cx="1376280" cy="582840"/>
           </a:xfrm>
           <a:prstGeom prst="roundRect">
             <a:avLst>
@@ -3401,9 +3401,9 @@
         <p:grpSpPr>
           <a:xfrm>
             <a:off x="27360" y="2736000"/>
-            <a:ext cx="1122840" cy="912600"/>
+            <a:ext cx="1122480" cy="912240"/>
             <a:chOff x="27360" y="2736000"/>
-            <a:chExt cx="1122840" cy="912600"/>
+            <a:chExt cx="1122480" cy="912240"/>
           </a:xfrm>
         </p:grpSpPr>
         <p:grpSp>
@@ -3414,10 +3414,10 @@
           </p:nvGrpSpPr>
           <p:grpSpPr>
             <a:xfrm>
-              <a:off x="414720" y="2736000"/>
-              <a:ext cx="343800" cy="648000"/>
-              <a:chOff x="414720" y="2736000"/>
-              <a:chExt cx="343800" cy="648000"/>
+              <a:off x="414360" y="2736000"/>
+              <a:ext cx="344160" cy="648000"/>
+              <a:chOff x="414360" y="2736000"/>
+              <a:chExt cx="344160" cy="648000"/>
             </a:xfrm>
           </p:grpSpPr>
           <p:sp>
@@ -3429,7 +3429,7 @@
             <p:spPr>
               <a:xfrm>
                 <a:off x="484920" y="2736000"/>
-                <a:ext cx="211320" cy="213480"/>
+                <a:ext cx="210960" cy="213120"/>
               </a:xfrm>
               <a:prstGeom prst="flowChartConnector">
                 <a:avLst/>
@@ -3460,7 +3460,7 @@
             <p:spPr>
               <a:xfrm flipH="1">
                 <a:off x="585000" y="2952000"/>
-                <a:ext cx="1080" cy="222120"/>
+                <a:ext cx="720" cy="221760"/>
               </a:xfrm>
               <a:custGeom>
                 <a:avLst/>
@@ -3502,7 +3502,7 @@
             <p:spPr>
               <a:xfrm>
                 <a:off x="437040" y="3049200"/>
-                <a:ext cx="307440" cy="360"/>
+                <a:ext cx="307080" cy="360"/>
               </a:xfrm>
               <a:custGeom>
                 <a:avLst/>
@@ -3543,8 +3543,8 @@
             </p:nvSpPr>
             <p:spPr>
               <a:xfrm flipH="1">
-                <a:off x="414720" y="3175560"/>
-                <a:ext cx="167040" cy="205200"/>
+                <a:off x="414000" y="3175560"/>
+                <a:ext cx="166680" cy="204840"/>
               </a:xfrm>
               <a:custGeom>
                 <a:avLst/>
@@ -3585,8 +3585,8 @@
             </p:nvSpPr>
             <p:spPr>
               <a:xfrm rot="10800000">
-                <a:off x="591120" y="3178800"/>
-                <a:ext cx="167400" cy="205200"/>
+                <a:off x="591480" y="3179160"/>
+                <a:ext cx="167040" cy="204840"/>
               </a:xfrm>
               <a:custGeom>
                 <a:avLst/>
@@ -3629,7 +3629,7 @@
           <p:spPr>
             <a:xfrm>
               <a:off x="27360" y="3273480"/>
-              <a:ext cx="1122840" cy="375120"/>
+              <a:ext cx="1122480" cy="374760"/>
             </a:xfrm>
             <a:prstGeom prst="rect">
               <a:avLst/>
@@ -3681,7 +3681,7 @@
         <p:spPr>
           <a:xfrm>
             <a:off x="2417040" y="1584000"/>
-            <a:ext cx="3341880" cy="1230480"/>
+            <a:ext cx="3341520" cy="1230120"/>
           </a:xfrm>
           <a:prstGeom prst="rect">
             <a:avLst/>
@@ -3702,7 +3702,7 @@
             <a:noAutofit/>
           </a:bodyPr>
           <a:p>
-            <a:pPr marL="457200" indent="-295560">
+            <a:pPr marL="457200" indent="-295200">
               <a:lnSpc>
                 <a:spcPct val="100000"/>
               </a:lnSpc>
@@ -3757,7 +3757,7 @@
         <p:spPr>
           <a:xfrm>
             <a:off x="2488320" y="4104000"/>
-            <a:ext cx="3341880" cy="912600"/>
+            <a:ext cx="3341520" cy="912240"/>
           </a:xfrm>
           <a:prstGeom prst="rect">
             <a:avLst/>
@@ -3778,7 +3778,7 @@
             <a:noAutofit/>
           </a:bodyPr>
           <a:p>
-            <a:pPr marL="457200" indent="-295560">
+            <a:pPr marL="457200" indent="-295200">
               <a:lnSpc>
                 <a:spcPct val="100000"/>
               </a:lnSpc>
@@ -3823,7 +3823,7 @@
         <p:spPr>
           <a:xfrm>
             <a:off x="8735760" y="5061600"/>
-            <a:ext cx="1275120" cy="521280"/>
+            <a:ext cx="1274760" cy="520920"/>
           </a:xfrm>
           <a:prstGeom prst="rect">
             <a:avLst/>
@@ -3864,7 +3864,7 @@
             </a:endParaRPr>
           </a:p>
           <a:p>
-            <a:pPr marL="457200" indent="-289080">
+            <a:pPr marL="457200" indent="-288720">
               <a:lnSpc>
                 <a:spcPct val="100000"/>
               </a:lnSpc>
@@ -3899,9 +3899,9 @@
         <p:grpSpPr>
           <a:xfrm>
             <a:off x="466920" y="1008000"/>
-            <a:ext cx="1475280" cy="904320"/>
+            <a:ext cx="1474920" cy="903960"/>
             <a:chOff x="466920" y="1008000"/>
-            <a:chExt cx="1475280" cy="904320"/>
+            <a:chExt cx="1474920" cy="903960"/>
           </a:xfrm>
         </p:grpSpPr>
         <p:grpSp>
@@ -3912,10 +3912,10 @@
           </p:nvGrpSpPr>
           <p:grpSpPr>
             <a:xfrm>
-              <a:off x="1016280" y="1008000"/>
-              <a:ext cx="304200" cy="642240"/>
-              <a:chOff x="1016280" y="1008000"/>
-              <a:chExt cx="304200" cy="642240"/>
+              <a:off x="1015920" y="1008000"/>
+              <a:ext cx="304560" cy="642240"/>
+              <a:chOff x="1015920" y="1008000"/>
+              <a:chExt cx="304560" cy="642240"/>
             </a:xfrm>
           </p:grpSpPr>
           <p:sp>
@@ -3927,7 +3927,7 @@
             <p:spPr>
               <a:xfrm>
                 <a:off x="1078560" y="1008000"/>
-                <a:ext cx="186840" cy="211320"/>
+                <a:ext cx="186480" cy="210960"/>
               </a:xfrm>
               <a:prstGeom prst="flowChartConnector">
                 <a:avLst/>
@@ -3957,8 +3957,8 @@
             </p:nvSpPr>
             <p:spPr>
               <a:xfrm flipH="1">
-                <a:off x="1167120" y="1222560"/>
-                <a:ext cx="720" cy="219960"/>
+                <a:off x="1166400" y="1222560"/>
+                <a:ext cx="360" cy="219600"/>
               </a:xfrm>
               <a:custGeom>
                 <a:avLst/>
@@ -4000,7 +4000,7 @@
             <p:spPr>
               <a:xfrm>
                 <a:off x="1036080" y="1318320"/>
-                <a:ext cx="272520" cy="360"/>
+                <a:ext cx="272160" cy="360"/>
               </a:xfrm>
               <a:custGeom>
                 <a:avLst/>
@@ -4042,7 +4042,7 @@
             <p:spPr>
               <a:xfrm flipH="1">
                 <a:off x="1015920" y="1443960"/>
-                <a:ext cx="147960" cy="203400"/>
+                <a:ext cx="147600" cy="203040"/>
               </a:xfrm>
               <a:custGeom>
                 <a:avLst/>
@@ -4083,8 +4083,8 @@
             </p:nvSpPr>
             <p:spPr>
               <a:xfrm rot="10800000">
-                <a:off x="1172880" y="1446840"/>
-                <a:ext cx="147600" cy="203400"/>
+                <a:off x="1173240" y="1447200"/>
+                <a:ext cx="147240" cy="203040"/>
               </a:xfrm>
               <a:custGeom>
                 <a:avLst/>
@@ -4127,7 +4127,7 @@
           <p:spPr>
             <a:xfrm>
               <a:off x="466920" y="1540800"/>
-              <a:ext cx="1475280" cy="371520"/>
+              <a:ext cx="1474920" cy="371160"/>
             </a:xfrm>
             <a:prstGeom prst="rect">
               <a:avLst/>
@@ -4179,7 +4179,7 @@
         <p:spPr>
           <a:xfrm>
             <a:off x="936000" y="2614320"/>
-            <a:ext cx="3341880" cy="912600"/>
+            <a:ext cx="3341520" cy="912240"/>
           </a:xfrm>
           <a:prstGeom prst="rect">
             <a:avLst/>
@@ -4200,7 +4200,7 @@
             <a:noAutofit/>
           </a:bodyPr>
           <a:p>
-            <a:pPr marL="457200" indent="-295560">
+            <a:pPr marL="457200" indent="-295200">
               <a:lnSpc>
                 <a:spcPct val="100000"/>
               </a:lnSpc>
@@ -4235,7 +4235,7 @@
             </a:endParaRPr>
           </a:p>
           <a:p>
-            <a:pPr marL="457200" indent="-295560">
+            <a:pPr marL="457200" indent="-295200">
               <a:lnSpc>
                 <a:spcPct val="100000"/>
               </a:lnSpc>
@@ -4280,9 +4280,9 @@
         <p:grpSpPr>
           <a:xfrm>
             <a:off x="675360" y="4176000"/>
-            <a:ext cx="1122840" cy="912600"/>
+            <a:ext cx="1122480" cy="912240"/>
             <a:chOff x="675360" y="4176000"/>
-            <a:chExt cx="1122840" cy="912600"/>
+            <a:chExt cx="1122480" cy="912240"/>
           </a:xfrm>
         </p:grpSpPr>
         <p:grpSp>
@@ -4293,10 +4293,10 @@
           </p:nvGrpSpPr>
           <p:grpSpPr>
             <a:xfrm>
-              <a:off x="1062720" y="4176000"/>
-              <a:ext cx="343800" cy="648000"/>
-              <a:chOff x="1062720" y="4176000"/>
-              <a:chExt cx="343800" cy="648000"/>
+              <a:off x="1062360" y="4176000"/>
+              <a:ext cx="344160" cy="648000"/>
+              <a:chOff x="1062360" y="4176000"/>
+              <a:chExt cx="344160" cy="648000"/>
             </a:xfrm>
           </p:grpSpPr>
           <p:sp>
@@ -4308,7 +4308,7 @@
             <p:spPr>
               <a:xfrm>
                 <a:off x="1132920" y="4176000"/>
-                <a:ext cx="211320" cy="213480"/>
+                <a:ext cx="210960" cy="213120"/>
               </a:xfrm>
               <a:prstGeom prst="flowChartConnector">
                 <a:avLst/>
@@ -4339,7 +4339,7 @@
             <p:spPr>
               <a:xfrm flipH="1">
                 <a:off x="1233000" y="4392000"/>
-                <a:ext cx="1080" cy="222120"/>
+                <a:ext cx="720" cy="221760"/>
               </a:xfrm>
               <a:custGeom>
                 <a:avLst/>
@@ -4381,7 +4381,7 @@
             <p:spPr>
               <a:xfrm>
                 <a:off x="1085040" y="4489200"/>
-                <a:ext cx="307440" cy="360"/>
+                <a:ext cx="307080" cy="360"/>
               </a:xfrm>
               <a:custGeom>
                 <a:avLst/>
@@ -4422,8 +4422,8 @@
             </p:nvSpPr>
             <p:spPr>
               <a:xfrm flipH="1">
-                <a:off x="1062720" y="4615560"/>
-                <a:ext cx="167040" cy="205200"/>
+                <a:off x="1062000" y="4615560"/>
+                <a:ext cx="166680" cy="204840"/>
               </a:xfrm>
               <a:custGeom>
                 <a:avLst/>
@@ -4464,8 +4464,8 @@
             </p:nvSpPr>
             <p:spPr>
               <a:xfrm rot="10800000">
-                <a:off x="1239120" y="4618800"/>
-                <a:ext cx="167400" cy="205200"/>
+                <a:off x="1239480" y="4619160"/>
+                <a:ext cx="167040" cy="204840"/>
               </a:xfrm>
               <a:custGeom>
                 <a:avLst/>
@@ -4508,7 +4508,7 @@
           <p:spPr>
             <a:xfrm>
               <a:off x="675360" y="4713480"/>
-              <a:ext cx="1122840" cy="375120"/>
+              <a:ext cx="1122480" cy="374760"/>
             </a:xfrm>
             <a:prstGeom prst="rect">
               <a:avLst/>
@@ -4560,7 +4560,7 @@
         <p:spPr>
           <a:xfrm>
             <a:off x="1943280" y="1460520"/>
-            <a:ext cx="1398960" cy="1418760"/>
+            <a:ext cx="1398600" cy="1418400"/>
           </a:xfrm>
           <a:custGeom>
             <a:avLst/>
@@ -4600,8 +4600,8 @@
         </p:nvSpPr>
         <p:spPr>
           <a:xfrm flipV="1">
-            <a:off x="1799280" y="3462480"/>
-            <a:ext cx="1542960" cy="1167840"/>
+            <a:off x="1799280" y="3461400"/>
+            <a:ext cx="1542600" cy="1167480"/>
           </a:xfrm>
           <a:custGeom>
             <a:avLst/>
@@ -4641,8 +4641,8 @@
         </p:nvSpPr>
         <p:spPr>
           <a:xfrm flipV="1">
-            <a:off x="1151280" y="3170160"/>
-            <a:ext cx="1502280" cy="20160"/>
+            <a:off x="1151280" y="3169080"/>
+            <a:ext cx="1501920" cy="19800"/>
           </a:xfrm>
           <a:custGeom>
             <a:avLst/>
@@ -4713,7 +4713,7 @@
         <p:spPr>
           <a:xfrm>
             <a:off x="143280" y="1593360"/>
-            <a:ext cx="9414000" cy="1504440"/>
+            <a:ext cx="9413640" cy="1504080"/>
           </a:xfrm>
           <a:prstGeom prst="rect">
             <a:avLst/>
@@ -4767,7 +4767,7 @@
         <p:spPr>
           <a:xfrm>
             <a:off x="4033800" y="204840"/>
-            <a:ext cx="1998000" cy="847800"/>
+            <a:ext cx="1997640" cy="847440"/>
           </a:xfrm>
           <a:prstGeom prst="wave">
             <a:avLst>
@@ -4796,7 +4796,7 @@
             <a:noAutofit/>
           </a:bodyPr>
           <a:p>
-            <a:pPr marL="457200" indent="-289080">
+            <a:pPr marL="457200" indent="-288720">
               <a:lnSpc>
                 <a:spcPct val="100000"/>
               </a:lnSpc>
@@ -4831,9 +4831,9 @@
         <p:grpSpPr>
           <a:xfrm>
             <a:off x="1637280" y="2081520"/>
-            <a:ext cx="1122840" cy="912960"/>
+            <a:ext cx="1122480" cy="912600"/>
             <a:chOff x="1637280" y="2081520"/>
-            <a:chExt cx="1122840" cy="912960"/>
+            <a:chExt cx="1122480" cy="912600"/>
           </a:xfrm>
         </p:grpSpPr>
         <p:grpSp>
@@ -4844,10 +4844,10 @@
           </p:nvGrpSpPr>
           <p:grpSpPr>
             <a:xfrm>
-              <a:off x="2024640" y="2081520"/>
-              <a:ext cx="343800" cy="648000"/>
-              <a:chOff x="2024640" y="2081520"/>
-              <a:chExt cx="343800" cy="648000"/>
+              <a:off x="2024280" y="2081520"/>
+              <a:ext cx="344160" cy="648000"/>
+              <a:chOff x="2024280" y="2081520"/>
+              <a:chExt cx="344160" cy="648000"/>
             </a:xfrm>
           </p:grpSpPr>
           <p:sp>
@@ -4859,7 +4859,7 @@
             <p:spPr>
               <a:xfrm>
                 <a:off x="2094840" y="2081520"/>
-                <a:ext cx="211320" cy="213480"/>
+                <a:ext cx="210960" cy="213120"/>
               </a:xfrm>
               <a:prstGeom prst="flowChartConnector">
                 <a:avLst/>
@@ -4890,7 +4890,7 @@
             <p:spPr>
               <a:xfrm flipH="1">
                 <a:off x="2194920" y="2297880"/>
-                <a:ext cx="1080" cy="222120"/>
+                <a:ext cx="720" cy="221760"/>
               </a:xfrm>
               <a:custGeom>
                 <a:avLst/>
@@ -4932,7 +4932,7 @@
             <p:spPr>
               <a:xfrm>
                 <a:off x="2046960" y="2395080"/>
-                <a:ext cx="307440" cy="360"/>
+                <a:ext cx="307080" cy="360"/>
               </a:xfrm>
               <a:custGeom>
                 <a:avLst/>
@@ -4973,8 +4973,8 @@
             </p:nvSpPr>
             <p:spPr>
               <a:xfrm flipH="1">
-                <a:off x="2024640" y="2521440"/>
-                <a:ext cx="167040" cy="205200"/>
+                <a:off x="2023920" y="2521440"/>
+                <a:ext cx="166680" cy="204840"/>
               </a:xfrm>
               <a:custGeom>
                 <a:avLst/>
@@ -5015,8 +5015,8 @@
             </p:nvSpPr>
             <p:spPr>
               <a:xfrm rot="10800000">
-                <a:off x="2201040" y="2524320"/>
-                <a:ext cx="167400" cy="205200"/>
+                <a:off x="2201400" y="2524680"/>
+                <a:ext cx="167040" cy="204840"/>
               </a:xfrm>
               <a:custGeom>
                 <a:avLst/>
@@ -5059,7 +5059,7 @@
           <p:spPr>
             <a:xfrm>
               <a:off x="1637280" y="2619360"/>
-              <a:ext cx="1122840" cy="375120"/>
+              <a:ext cx="1122480" cy="374760"/>
             </a:xfrm>
             <a:prstGeom prst="rect">
               <a:avLst/>
@@ -5111,7 +5111,7 @@
         <p:spPr>
           <a:xfrm>
             <a:off x="143280" y="3100680"/>
-            <a:ext cx="9414000" cy="1504440"/>
+            <a:ext cx="9413640" cy="1504080"/>
           </a:xfrm>
           <a:prstGeom prst="rect">
             <a:avLst/>
@@ -5165,7 +5165,7 @@
         <p:spPr>
           <a:xfrm>
             <a:off x="3582360" y="3744720"/>
-            <a:ext cx="1816560" cy="646920"/>
+            <a:ext cx="1816200" cy="646560"/>
           </a:xfrm>
           <a:prstGeom prst="bracketPair">
             <a:avLst>
@@ -5191,7 +5191,7 @@
             <a:noAutofit/>
           </a:bodyPr>
           <a:p>
-            <a:pPr marL="457200" indent="-289080">
+            <a:pPr marL="457200" indent="-288720">
               <a:lnSpc>
                 <a:spcPct val="100000"/>
               </a:lnSpc>
@@ -5226,7 +5226,7 @@
         <p:spPr>
           <a:xfrm>
             <a:off x="3929040" y="2026800"/>
-            <a:ext cx="1102320" cy="583200"/>
+            <a:ext cx="1101960" cy="582840"/>
           </a:xfrm>
           <a:prstGeom prst="roundRect">
             <a:avLst>
@@ -5294,7 +5294,7 @@
         <p:spPr>
           <a:xfrm>
             <a:off x="5298480" y="2027880"/>
-            <a:ext cx="1102320" cy="583200"/>
+            <a:ext cx="1101960" cy="582840"/>
           </a:xfrm>
           <a:prstGeom prst="roundRect">
             <a:avLst>
@@ -5362,7 +5362,7 @@
         <p:spPr>
           <a:xfrm>
             <a:off x="6671880" y="2016000"/>
-            <a:ext cx="1102320" cy="583200"/>
+            <a:ext cx="1101960" cy="582840"/>
           </a:xfrm>
           <a:prstGeom prst="roundRect">
             <a:avLst>
@@ -5430,7 +5430,7 @@
         <p:spPr>
           <a:xfrm>
             <a:off x="5472000" y="1054440"/>
-            <a:ext cx="216000" cy="961560"/>
+            <a:ext cx="288000" cy="973440"/>
           </a:xfrm>
           <a:prstGeom prst="line">
             <a:avLst/>
@@ -5538,7 +5538,7 @@
         <p:spPr>
           <a:xfrm>
             <a:off x="5760000" y="3888000"/>
-            <a:ext cx="1222920" cy="244800"/>
+            <a:ext cx="1222560" cy="244440"/>
           </a:xfrm>
           <a:prstGeom prst="bracketPair">
             <a:avLst>
@@ -5564,7 +5564,7 @@
             <a:noAutofit/>
           </a:bodyPr>
           <a:p>
-            <a:pPr marL="457200" indent="-289080">
+            <a:pPr marL="457200" indent="-288720">
               <a:lnSpc>
                 <a:spcPct val="100000"/>
               </a:lnSpc>
@@ -5599,7 +5599,7 @@
         <p:spPr>
           <a:xfrm>
             <a:off x="7272000" y="3888000"/>
-            <a:ext cx="1726200" cy="503640"/>
+            <a:ext cx="1725840" cy="503280"/>
           </a:xfrm>
           <a:prstGeom prst="bracketPair">
             <a:avLst>
@@ -5625,7 +5625,7 @@
             <a:noAutofit/>
           </a:bodyPr>
           <a:p>
-            <a:pPr marL="457200" indent="-289080">
+            <a:pPr marL="457200" indent="-288720">
               <a:lnSpc>
                 <a:spcPct val="100000"/>
               </a:lnSpc>
@@ -5650,7 +5650,7 @@
             </a:endParaRPr>
           </a:p>
           <a:p>
-            <a:pPr marL="457200" indent="-289080">
+            <a:pPr marL="457200" indent="-288720">
               <a:lnSpc>
                 <a:spcPct val="100000"/>
               </a:lnSpc>
@@ -5684,8 +5684,8 @@
         </p:nvSpPr>
         <p:spPr>
           <a:xfrm>
-            <a:off x="5832000" y="2612160"/>
-            <a:ext cx="432000" cy="1275840"/>
+            <a:off x="5904000" y="2612160"/>
+            <a:ext cx="360000" cy="1275840"/>
           </a:xfrm>
           <a:prstGeom prst="line">
             <a:avLst/>
@@ -5711,8 +5711,8 @@
         </p:nvSpPr>
         <p:spPr>
           <a:xfrm flipH="1" flipV="1">
-            <a:off x="4488120" y="2610000"/>
-            <a:ext cx="360" cy="1134000"/>
+            <a:off x="4487400" y="2609280"/>
+            <a:ext cx="360" cy="1133640"/>
           </a:xfrm>
           <a:custGeom>
             <a:avLst/>
@@ -5810,7 +5810,7 @@
         <p:spPr>
           <a:xfrm>
             <a:off x="143280" y="1593360"/>
-            <a:ext cx="9414000" cy="1504440"/>
+            <a:ext cx="9413640" cy="1504080"/>
           </a:xfrm>
           <a:prstGeom prst="rect">
             <a:avLst/>
@@ -5864,7 +5864,7 @@
         <p:spPr>
           <a:xfrm>
             <a:off x="4033800" y="204840"/>
-            <a:ext cx="1998000" cy="847800"/>
+            <a:ext cx="1997640" cy="847440"/>
           </a:xfrm>
           <a:prstGeom prst="wave">
             <a:avLst>
@@ -5893,7 +5893,7 @@
             <a:noAutofit/>
           </a:bodyPr>
           <a:p>
-            <a:pPr marL="457200" indent="-289080">
+            <a:pPr marL="457200" indent="-288720">
               <a:lnSpc>
                 <a:spcPct val="100000"/>
               </a:lnSpc>
@@ -5928,9 +5928,9 @@
         <p:grpSpPr>
           <a:xfrm>
             <a:off x="1637280" y="2081520"/>
-            <a:ext cx="1122840" cy="912960"/>
+            <a:ext cx="1122480" cy="912600"/>
             <a:chOff x="1637280" y="2081520"/>
-            <a:chExt cx="1122840" cy="912960"/>
+            <a:chExt cx="1122480" cy="912600"/>
           </a:xfrm>
         </p:grpSpPr>
         <p:grpSp>
@@ -5941,10 +5941,10 @@
           </p:nvGrpSpPr>
           <p:grpSpPr>
             <a:xfrm>
-              <a:off x="2024640" y="2081520"/>
-              <a:ext cx="343800" cy="648000"/>
-              <a:chOff x="2024640" y="2081520"/>
-              <a:chExt cx="343800" cy="648000"/>
+              <a:off x="2024280" y="2081520"/>
+              <a:ext cx="344160" cy="648000"/>
+              <a:chOff x="2024280" y="2081520"/>
+              <a:chExt cx="344160" cy="648000"/>
             </a:xfrm>
           </p:grpSpPr>
           <p:sp>
@@ -5956,7 +5956,7 @@
             <p:spPr>
               <a:xfrm>
                 <a:off x="2094840" y="2081520"/>
-                <a:ext cx="211320" cy="213480"/>
+                <a:ext cx="210960" cy="213120"/>
               </a:xfrm>
               <a:prstGeom prst="flowChartConnector">
                 <a:avLst/>
@@ -5987,7 +5987,7 @@
             <p:spPr>
               <a:xfrm flipH="1">
                 <a:off x="2194920" y="2297880"/>
-                <a:ext cx="1080" cy="222120"/>
+                <a:ext cx="720" cy="221760"/>
               </a:xfrm>
               <a:custGeom>
                 <a:avLst/>
@@ -6029,7 +6029,7 @@
             <p:spPr>
               <a:xfrm>
                 <a:off x="2046960" y="2395080"/>
-                <a:ext cx="307440" cy="360"/>
+                <a:ext cx="307080" cy="360"/>
               </a:xfrm>
               <a:custGeom>
                 <a:avLst/>
@@ -6070,8 +6070,8 @@
             </p:nvSpPr>
             <p:spPr>
               <a:xfrm flipH="1">
-                <a:off x="2024640" y="2521440"/>
-                <a:ext cx="167040" cy="205200"/>
+                <a:off x="2023920" y="2521440"/>
+                <a:ext cx="166680" cy="204840"/>
               </a:xfrm>
               <a:custGeom>
                 <a:avLst/>
@@ -6112,8 +6112,8 @@
             </p:nvSpPr>
             <p:spPr>
               <a:xfrm rot="10800000">
-                <a:off x="2201040" y="2524320"/>
-                <a:ext cx="167400" cy="205200"/>
+                <a:off x="2201400" y="2524680"/>
+                <a:ext cx="167040" cy="204840"/>
               </a:xfrm>
               <a:custGeom>
                 <a:avLst/>
@@ -6156,7 +6156,7 @@
           <p:spPr>
             <a:xfrm>
               <a:off x="1637280" y="2619360"/>
-              <a:ext cx="1122840" cy="375120"/>
+              <a:ext cx="1122480" cy="374760"/>
             </a:xfrm>
             <a:prstGeom prst="rect">
               <a:avLst/>
@@ -6208,7 +6208,7 @@
         <p:spPr>
           <a:xfrm>
             <a:off x="143280" y="3100680"/>
-            <a:ext cx="9414000" cy="1504440"/>
+            <a:ext cx="9413640" cy="1504080"/>
           </a:xfrm>
           <a:prstGeom prst="rect">
             <a:avLst/>
@@ -6261,69 +6261,8 @@
         </p:nvSpPr>
         <p:spPr>
           <a:xfrm>
-            <a:off x="2960640" y="3744000"/>
-            <a:ext cx="1357560" cy="272160"/>
-          </a:xfrm>
-          <a:prstGeom prst="bracketPair">
-            <a:avLst>
-              <a:gd name="adj" fmla="val 16667"/>
-            </a:avLst>
-          </a:prstGeom>
-          <a:noFill/>
-          <a:ln w="9360">
-            <a:solidFill>
-              <a:srgbClr val="595959"/>
-            </a:solidFill>
-            <a:round/>
-          </a:ln>
-        </p:spPr>
-        <p:style>
-          <a:lnRef idx="0"/>
-          <a:fillRef idx="0"/>
-          <a:effectRef idx="0"/>
-          <a:fontRef idx="minor"/>
-        </p:style>
-        <p:txBody>
-          <a:bodyPr lIns="90000" rIns="90000" tIns="91440" bIns="91440" anchor="ctr">
-            <a:noAutofit/>
-          </a:bodyPr>
-          <a:p>
-            <a:pPr marL="457200" indent="-289080">
-              <a:lnSpc>
-                <a:spcPct val="100000"/>
-              </a:lnSpc>
-              <a:buClr>
-                <a:srgbClr val="000000"/>
-              </a:buClr>
-              <a:buFont typeface="Arial"/>
-              <a:buChar char="●"/>
-            </a:pPr>
-            <a:r>
-              <a:rPr b="0" lang="pt-BR" sz="1000" spc="-1" strike="noStrike">
-                <a:solidFill>
-                  <a:srgbClr val="000000"/>
-                </a:solidFill>
-                <a:latin typeface="Arial"/>
-                <a:ea typeface="Arial"/>
-              </a:rPr>
-              <a:t>Realizar orçamento.</a:t>
-            </a:r>
-            <a:endParaRPr b="0" lang="pt-BR" sz="1000" spc="-1" strike="noStrike">
-              <a:latin typeface="Arial"/>
-            </a:endParaRPr>
-          </a:p>
-        </p:txBody>
-      </p:sp>
-      <p:sp>
-        <p:nvSpPr>
-          <p:cNvPr id="145" name="CustomShape 13"/>
-          <p:cNvSpPr/>
-          <p:nvPr/>
-        </p:nvSpPr>
-        <p:spPr>
-          <a:xfrm>
-            <a:off x="5519880" y="2016000"/>
-            <a:ext cx="1102320" cy="583200"/>
+            <a:off x="4392000" y="2009160"/>
+            <a:ext cx="1101960" cy="582840"/>
           </a:xfrm>
           <a:prstGeom prst="roundRect">
             <a:avLst>
@@ -6384,38 +6323,22 @@
       </p:sp>
       <p:sp>
         <p:nvSpPr>
-          <p:cNvPr id="146" name="CustomShape 14"/>
+          <p:cNvPr id="145" name="Line 13"/>
           <p:cNvSpPr/>
           <p:nvPr/>
         </p:nvSpPr>
         <p:spPr>
-          <a:xfrm>
-            <a:off x="3816000" y="2016000"/>
-            <a:ext cx="1102320" cy="583200"/>
-          </a:xfrm>
-          <a:prstGeom prst="roundRect">
-            <a:avLst>
-              <a:gd name="adj" fmla="val 16667"/>
-            </a:avLst>
-          </a:prstGeom>
-          <a:gradFill rotWithShape="0">
-            <a:gsLst>
-              <a:gs pos="0">
-                <a:srgbClr val="d4e5f5"/>
-              </a:gs>
-              <a:gs pos="100000">
-                <a:srgbClr val="70a4d5"/>
-              </a:gs>
-            </a:gsLst>
-            <a:path path="circle">
-              <a:fillToRect l="50000" t="50000" r="50000" b="50000"/>
-            </a:path>
-          </a:gradFill>
-          <a:ln w="9360">
+          <a:xfrm flipV="1">
+            <a:off x="2232000" y="720000"/>
+            <a:ext cx="1801800" cy="1361520"/>
+          </a:xfrm>
+          <a:prstGeom prst="line">
+            <a:avLst/>
+          </a:prstGeom>
+          <a:ln>
             <a:solidFill>
-              <a:srgbClr val="f3f3f3"/>
+              <a:srgbClr val="3465a4"/>
             </a:solidFill>
-            <a:round/>
           </a:ln>
         </p:spPr>
         <p:style>
@@ -6424,96 +6347,17 @@
           <a:effectRef idx="0"/>
           <a:fontRef idx="minor"/>
         </p:style>
-        <p:txBody>
-          <a:bodyPr lIns="90000" rIns="90000" tIns="91440" bIns="91440" anchor="ctr">
-            <a:noAutofit/>
-          </a:bodyPr>
-          <a:p>
-            <a:pPr algn="ctr">
-              <a:lnSpc>
-                <a:spcPct val="100000"/>
-              </a:lnSpc>
-            </a:pPr>
-            <a:r>
-              <a:rPr b="0" lang="pt-BR" sz="1000" spc="-1" strike="noStrike">
-                <a:solidFill>
-                  <a:srgbClr val="000000"/>
-                </a:solidFill>
-                <a:latin typeface="Arial"/>
-                <a:ea typeface="Arial"/>
-              </a:rPr>
-              <a:t>Financeiro</a:t>
-            </a:r>
-            <a:endParaRPr b="0" lang="pt-BR" sz="1000" spc="-1" strike="noStrike">
-              <a:latin typeface="Arial"/>
-            </a:endParaRPr>
-          </a:p>
-        </p:txBody>
-      </p:sp>
-      <p:sp>
-        <p:nvSpPr>
-          <p:cNvPr id="147" name="Line 15"/>
+      </p:sp>
+      <p:sp>
+        <p:nvSpPr>
+          <p:cNvPr id="146" name="CustomShape 14"/>
           <p:cNvSpPr/>
           <p:nvPr/>
         </p:nvSpPr>
         <p:spPr>
-          <a:xfrm flipV="1">
-            <a:off x="2232000" y="720000"/>
-            <a:ext cx="1801800" cy="1361520"/>
-          </a:xfrm>
-          <a:prstGeom prst="line">
-            <a:avLst/>
-          </a:prstGeom>
-          <a:ln>
-            <a:solidFill>
-              <a:srgbClr val="3465a4"/>
-            </a:solidFill>
-          </a:ln>
-        </p:spPr>
-        <p:style>
-          <a:lnRef idx="0"/>
-          <a:fillRef idx="0"/>
-          <a:effectRef idx="0"/>
-          <a:fontRef idx="minor"/>
-        </p:style>
-      </p:sp>
-      <p:sp>
-        <p:nvSpPr>
-          <p:cNvPr id="148" name="Line 16"/>
-          <p:cNvSpPr/>
-          <p:nvPr/>
-        </p:nvSpPr>
-        <p:spPr>
-          <a:xfrm flipV="1">
-            <a:off x="4464000" y="936000"/>
-            <a:ext cx="144000" cy="1090800"/>
-          </a:xfrm>
-          <a:prstGeom prst="line">
-            <a:avLst/>
-          </a:prstGeom>
-          <a:ln>
-            <a:solidFill>
-              <a:srgbClr val="3465a4"/>
-            </a:solidFill>
-          </a:ln>
-        </p:spPr>
-        <p:style>
-          <a:lnRef idx="0"/>
-          <a:fillRef idx="0"/>
-          <a:effectRef idx="0"/>
-          <a:fontRef idx="minor"/>
-        </p:style>
-      </p:sp>
-      <p:sp>
-        <p:nvSpPr>
-          <p:cNvPr id="149" name="CustomShape 17"/>
-          <p:cNvSpPr/>
-          <p:nvPr/>
-        </p:nvSpPr>
-        <p:spPr>
-          <a:xfrm>
-            <a:off x="6272640" y="3744720"/>
-            <a:ext cx="1358280" cy="286200"/>
+          <a:xfrm>
+            <a:off x="3888000" y="3773520"/>
+            <a:ext cx="2016000" cy="546480"/>
           </a:xfrm>
           <a:prstGeom prst="bracketPair">
             <a:avLst>
@@ -6539,68 +6383,7 @@
             <a:noAutofit/>
           </a:bodyPr>
           <a:p>
-            <a:pPr marL="457200" indent="-289080">
-              <a:lnSpc>
-                <a:spcPct val="100000"/>
-              </a:lnSpc>
-              <a:buClr>
-                <a:srgbClr val="000000"/>
-              </a:buClr>
-              <a:buFont typeface="Arial"/>
-              <a:buChar char="●"/>
-            </a:pPr>
-            <a:r>
-              <a:rPr b="0" lang="pt-BR" sz="1000" spc="-1" strike="noStrike">
-                <a:solidFill>
-                  <a:srgbClr val="000000"/>
-                </a:solidFill>
-                <a:latin typeface="Arial"/>
-                <a:ea typeface="Arial"/>
-              </a:rPr>
-              <a:t>Realizar devolução</a:t>
-            </a:r>
-            <a:endParaRPr b="0" lang="pt-BR" sz="1000" spc="-1" strike="noStrike">
-              <a:latin typeface="Arial"/>
-            </a:endParaRPr>
-          </a:p>
-        </p:txBody>
-      </p:sp>
-      <p:sp>
-        <p:nvSpPr>
-          <p:cNvPr id="150" name="CustomShape 18"/>
-          <p:cNvSpPr/>
-          <p:nvPr/>
-        </p:nvSpPr>
-        <p:spPr>
-          <a:xfrm>
-            <a:off x="4608000" y="3758040"/>
-            <a:ext cx="1294920" cy="272160"/>
-          </a:xfrm>
-          <a:prstGeom prst="bracketPair">
-            <a:avLst>
-              <a:gd name="adj" fmla="val 16667"/>
-            </a:avLst>
-          </a:prstGeom>
-          <a:noFill/>
-          <a:ln w="9360">
-            <a:solidFill>
-              <a:srgbClr val="595959"/>
-            </a:solidFill>
-            <a:round/>
-          </a:ln>
-        </p:spPr>
-        <p:style>
-          <a:lnRef idx="0"/>
-          <a:fillRef idx="0"/>
-          <a:effectRef idx="0"/>
-          <a:fontRef idx="minor"/>
-        </p:style>
-        <p:txBody>
-          <a:bodyPr lIns="90000" rIns="90000" tIns="91440" bIns="91440" anchor="ctr">
-            <a:noAutofit/>
-          </a:bodyPr>
-          <a:p>
-            <a:pPr marL="457200" indent="-289080">
+            <a:pPr marL="457200" indent="-288720">
               <a:lnSpc>
                 <a:spcPct val="100000"/>
               </a:lnSpc>
@@ -6628,14 +6411,14 @@
       </p:sp>
       <p:sp>
         <p:nvSpPr>
-          <p:cNvPr id="151" name="Line 19"/>
+          <p:cNvPr id="147" name="Line 15"/>
           <p:cNvSpPr/>
           <p:nvPr/>
         </p:nvSpPr>
         <p:spPr>
-          <a:xfrm flipH="1" flipV="1">
-            <a:off x="5904000" y="1054440"/>
-            <a:ext cx="216000" cy="961560"/>
+          <a:xfrm flipV="1">
+            <a:off x="4968000" y="982440"/>
+            <a:ext cx="0" cy="1026720"/>
           </a:xfrm>
           <a:prstGeom prst="line">
             <a:avLst/>
@@ -6655,95 +6438,14 @@
       </p:sp>
       <p:sp>
         <p:nvSpPr>
-          <p:cNvPr id="152" name="Line 20"/>
+          <p:cNvPr id="148" name="Line 16"/>
           <p:cNvSpPr/>
           <p:nvPr/>
         </p:nvSpPr>
         <p:spPr>
-          <a:xfrm flipH="1">
-            <a:off x="3672000" y="2600280"/>
-            <a:ext cx="432000" cy="1143720"/>
-          </a:xfrm>
-          <a:prstGeom prst="line">
-            <a:avLst/>
-          </a:prstGeom>
-          <a:ln>
-            <a:solidFill>
-              <a:srgbClr val="3465a4"/>
-            </a:solidFill>
-          </a:ln>
-        </p:spPr>
-        <p:style>
-          <a:lnRef idx="0"/>
-          <a:fillRef idx="0"/>
-          <a:effectRef idx="0"/>
-          <a:fontRef idx="minor"/>
-        </p:style>
-      </p:sp>
-      <p:sp>
-        <p:nvSpPr>
-          <p:cNvPr id="153" name="Line 21"/>
-          <p:cNvSpPr/>
-          <p:nvPr/>
-        </p:nvSpPr>
-        <p:spPr>
-          <a:xfrm>
-            <a:off x="4608000" y="2600280"/>
-            <a:ext cx="360000" cy="1157760"/>
-          </a:xfrm>
-          <a:prstGeom prst="line">
-            <a:avLst/>
-          </a:prstGeom>
-          <a:ln>
-            <a:solidFill>
-              <a:srgbClr val="3465a4"/>
-            </a:solidFill>
-          </a:ln>
-        </p:spPr>
-        <p:style>
-          <a:lnRef idx="0"/>
-          <a:fillRef idx="0"/>
-          <a:effectRef idx="0"/>
-          <a:fontRef idx="minor"/>
-        </p:style>
-      </p:sp>
-      <p:sp>
-        <p:nvSpPr>
-          <p:cNvPr id="154" name="Line 22"/>
-          <p:cNvSpPr/>
-          <p:nvPr/>
-        </p:nvSpPr>
-        <p:spPr>
-          <a:xfrm flipH="1">
-            <a:off x="5616000" y="2600280"/>
-            <a:ext cx="288000" cy="1157760"/>
-          </a:xfrm>
-          <a:prstGeom prst="line">
-            <a:avLst/>
-          </a:prstGeom>
-          <a:ln>
-            <a:solidFill>
-              <a:srgbClr val="3465a4"/>
-            </a:solidFill>
-          </a:ln>
-        </p:spPr>
-        <p:style>
-          <a:lnRef idx="0"/>
-          <a:fillRef idx="0"/>
-          <a:effectRef idx="0"/>
-          <a:fontRef idx="minor"/>
-        </p:style>
-      </p:sp>
-      <p:sp>
-        <p:nvSpPr>
-          <p:cNvPr id="155" name="Line 23"/>
-          <p:cNvSpPr/>
-          <p:nvPr/>
-        </p:nvSpPr>
-        <p:spPr>
-          <a:xfrm>
-            <a:off x="6480000" y="2600280"/>
-            <a:ext cx="288000" cy="1143720"/>
+          <a:xfrm>
+            <a:off x="4968000" y="2598840"/>
+            <a:ext cx="0" cy="1159920"/>
           </a:xfrm>
           <a:prstGeom prst="line">
             <a:avLst/>
@@ -6793,14 +6495,14 @@
       </p:grpSpPr>
       <p:sp>
         <p:nvSpPr>
-          <p:cNvPr id="156" name="CustomShape 1"/>
+          <p:cNvPr id="149" name="CustomShape 1"/>
           <p:cNvSpPr/>
           <p:nvPr/>
         </p:nvSpPr>
         <p:spPr>
           <a:xfrm>
             <a:off x="143280" y="1593360"/>
-            <a:ext cx="9414000" cy="1504440"/>
+            <a:ext cx="9413640" cy="1504080"/>
           </a:xfrm>
           <a:prstGeom prst="rect">
             <a:avLst/>
@@ -6847,14 +6549,14 @@
       </p:sp>
       <p:sp>
         <p:nvSpPr>
-          <p:cNvPr id="157" name="CustomShape 2"/>
+          <p:cNvPr id="150" name="CustomShape 2"/>
           <p:cNvSpPr/>
           <p:nvPr/>
         </p:nvSpPr>
         <p:spPr>
           <a:xfrm>
             <a:off x="4033800" y="204840"/>
-            <a:ext cx="1998000" cy="847800"/>
+            <a:ext cx="1997640" cy="847440"/>
           </a:xfrm>
           <a:prstGeom prst="wave">
             <a:avLst>
@@ -6883,7 +6585,7 @@
             <a:noAutofit/>
           </a:bodyPr>
           <a:p>
-            <a:pPr marL="457200" indent="-289080">
+            <a:pPr marL="457200" indent="-288720">
               <a:lnSpc>
                 <a:spcPct val="100000"/>
               </a:lnSpc>
@@ -6908,7 +6610,7 @@
             </a:endParaRPr>
           </a:p>
           <a:p>
-            <a:pPr marL="457200" indent="-289080">
+            <a:pPr marL="457200" indent="-288720">
               <a:lnSpc>
                 <a:spcPct val="100000"/>
               </a:lnSpc>
@@ -6936,42 +6638,42 @@
       </p:sp>
       <p:grpSp>
         <p:nvGrpSpPr>
-          <p:cNvPr id="158" name="Group 3"/>
+          <p:cNvPr id="151" name="Group 3"/>
           <p:cNvGrpSpPr/>
           <p:nvPr/>
         </p:nvGrpSpPr>
         <p:grpSpPr>
           <a:xfrm>
             <a:off x="1637280" y="2081520"/>
-            <a:ext cx="1122840" cy="912960"/>
+            <a:ext cx="1122480" cy="912600"/>
             <a:chOff x="1637280" y="2081520"/>
-            <a:chExt cx="1122840" cy="912960"/>
+            <a:chExt cx="1122480" cy="912600"/>
           </a:xfrm>
         </p:grpSpPr>
         <p:grpSp>
           <p:nvGrpSpPr>
-            <p:cNvPr id="159" name="Group 4"/>
+            <p:cNvPr id="152" name="Group 4"/>
             <p:cNvGrpSpPr/>
             <p:nvPr/>
           </p:nvGrpSpPr>
           <p:grpSpPr>
             <a:xfrm>
-              <a:off x="2024640" y="2081520"/>
-              <a:ext cx="343800" cy="648000"/>
-              <a:chOff x="2024640" y="2081520"/>
-              <a:chExt cx="343800" cy="648000"/>
+              <a:off x="2024280" y="2081520"/>
+              <a:ext cx="344160" cy="648000"/>
+              <a:chOff x="2024280" y="2081520"/>
+              <a:chExt cx="344160" cy="648000"/>
             </a:xfrm>
           </p:grpSpPr>
           <p:sp>
             <p:nvSpPr>
-              <p:cNvPr id="160" name="CustomShape 5"/>
+              <p:cNvPr id="153" name="CustomShape 5"/>
               <p:cNvSpPr/>
               <p:nvPr/>
             </p:nvSpPr>
             <p:spPr>
               <a:xfrm>
                 <a:off x="2094840" y="2081520"/>
-                <a:ext cx="211320" cy="213480"/>
+                <a:ext cx="210960" cy="213120"/>
               </a:xfrm>
               <a:prstGeom prst="flowChartConnector">
                 <a:avLst/>
@@ -6995,14 +6697,14 @@
           </p:sp>
           <p:sp>
             <p:nvSpPr>
-              <p:cNvPr id="161" name="CustomShape 6"/>
+              <p:cNvPr id="154" name="CustomShape 6"/>
               <p:cNvSpPr/>
               <p:nvPr/>
             </p:nvSpPr>
             <p:spPr>
               <a:xfrm flipH="1">
                 <a:off x="2194920" y="2297880"/>
-                <a:ext cx="1080" cy="222120"/>
+                <a:ext cx="720" cy="221760"/>
               </a:xfrm>
               <a:custGeom>
                 <a:avLst/>
@@ -7037,14 +6739,14 @@
           </p:sp>
           <p:sp>
             <p:nvSpPr>
-              <p:cNvPr id="162" name="CustomShape 7"/>
+              <p:cNvPr id="155" name="CustomShape 7"/>
               <p:cNvSpPr/>
               <p:nvPr/>
             </p:nvSpPr>
             <p:spPr>
               <a:xfrm>
                 <a:off x="2046960" y="2395080"/>
-                <a:ext cx="307440" cy="360"/>
+                <a:ext cx="307080" cy="360"/>
               </a:xfrm>
               <a:custGeom>
                 <a:avLst/>
@@ -7079,14 +6781,14 @@
           </p:sp>
           <p:sp>
             <p:nvSpPr>
-              <p:cNvPr id="163" name="CustomShape 8"/>
+              <p:cNvPr id="156" name="CustomShape 8"/>
               <p:cNvSpPr/>
               <p:nvPr/>
             </p:nvSpPr>
             <p:spPr>
               <a:xfrm flipH="1">
-                <a:off x="2024640" y="2521440"/>
-                <a:ext cx="167040" cy="205200"/>
+                <a:off x="2023920" y="2521440"/>
+                <a:ext cx="166680" cy="204840"/>
               </a:xfrm>
               <a:custGeom>
                 <a:avLst/>
@@ -7121,14 +6823,14 @@
           </p:sp>
           <p:sp>
             <p:nvSpPr>
-              <p:cNvPr id="164" name="CustomShape 9"/>
+              <p:cNvPr id="157" name="CustomShape 9"/>
               <p:cNvSpPr/>
               <p:nvPr/>
             </p:nvSpPr>
             <p:spPr>
               <a:xfrm rot="10800000">
-                <a:off x="2201040" y="2524320"/>
-                <a:ext cx="167400" cy="205200"/>
+                <a:off x="2201400" y="2524680"/>
+                <a:ext cx="167040" cy="204840"/>
               </a:xfrm>
               <a:custGeom>
                 <a:avLst/>
@@ -7164,14 +6866,14 @@
         </p:grpSp>
         <p:sp>
           <p:nvSpPr>
-            <p:cNvPr id="165" name="CustomShape 10"/>
+            <p:cNvPr id="158" name="CustomShape 10"/>
             <p:cNvSpPr/>
             <p:nvPr/>
           </p:nvSpPr>
           <p:spPr>
             <a:xfrm>
               <a:off x="1637280" y="2619360"/>
-              <a:ext cx="1122840" cy="375120"/>
+              <a:ext cx="1122480" cy="374760"/>
             </a:xfrm>
             <a:prstGeom prst="rect">
               <a:avLst/>
@@ -7216,14 +6918,14 @@
       </p:grpSp>
       <p:sp>
         <p:nvSpPr>
-          <p:cNvPr id="166" name="CustomShape 11"/>
+          <p:cNvPr id="159" name="CustomShape 11"/>
           <p:cNvSpPr/>
           <p:nvPr/>
         </p:nvSpPr>
         <p:spPr>
           <a:xfrm>
             <a:off x="143280" y="3100680"/>
-            <a:ext cx="9414000" cy="1504440"/>
+            <a:ext cx="9413640" cy="1504080"/>
           </a:xfrm>
           <a:prstGeom prst="rect">
             <a:avLst/>
@@ -7270,14 +6972,14 @@
       </p:sp>
       <p:sp>
         <p:nvSpPr>
-          <p:cNvPr id="167" name="CustomShape 12"/>
+          <p:cNvPr id="160" name="CustomShape 12"/>
           <p:cNvSpPr/>
           <p:nvPr/>
         </p:nvSpPr>
         <p:spPr>
           <a:xfrm>
-            <a:off x="5299560" y="3428640"/>
-            <a:ext cx="2581560" cy="848160"/>
+            <a:off x="3826800" y="3456000"/>
+            <a:ext cx="2581200" cy="847800"/>
           </a:xfrm>
           <a:prstGeom prst="bracketPair">
             <a:avLst>
@@ -7303,7 +7005,7 @@
             <a:noAutofit/>
           </a:bodyPr>
           <a:p>
-            <a:pPr marL="457200" indent="-289080">
+            <a:pPr marL="457200" indent="-288720">
               <a:lnSpc>
                 <a:spcPct val="100000"/>
               </a:lnSpc>
@@ -7331,14 +7033,14 @@
       </p:sp>
       <p:sp>
         <p:nvSpPr>
-          <p:cNvPr id="168" name="CustomShape 13"/>
+          <p:cNvPr id="161" name="CustomShape 13"/>
           <p:cNvSpPr/>
           <p:nvPr/>
         </p:nvSpPr>
         <p:spPr>
           <a:xfrm>
-            <a:off x="3929040" y="2026800"/>
-            <a:ext cx="1102320" cy="583200"/>
+            <a:off x="4442040" y="2009160"/>
+            <a:ext cx="1101960" cy="582840"/>
           </a:xfrm>
           <a:prstGeom prst="roundRect">
             <a:avLst>
@@ -7399,14 +7101,14 @@
       </p:sp>
       <p:sp>
         <p:nvSpPr>
-          <p:cNvPr id="169" name="CustomShape 14"/>
+          <p:cNvPr id="162" name="CustomShape 14"/>
           <p:cNvSpPr/>
           <p:nvPr/>
         </p:nvSpPr>
         <p:spPr>
           <a:xfrm flipV="1">
-            <a:off x="2520000" y="625680"/>
-            <a:ext cx="1512360" cy="1818360"/>
+            <a:off x="2520000" y="625320"/>
+            <a:ext cx="1512000" cy="1818000"/>
           </a:xfrm>
           <a:prstGeom prst="curvedConnector3">
             <a:avLst>
@@ -7429,14 +7131,14 @@
       </p:sp>
       <p:sp>
         <p:nvSpPr>
-          <p:cNvPr id="170" name="CustomShape 15"/>
+          <p:cNvPr id="163" name="CustomShape 15"/>
           <p:cNvSpPr/>
           <p:nvPr/>
         </p:nvSpPr>
         <p:spPr>
-          <a:xfrm flipV="1">
-            <a:off x="4480920" y="1050480"/>
-            <a:ext cx="551160" cy="970920"/>
+          <a:xfrm flipH="1" flipV="1">
+            <a:off x="5031000" y="1008000"/>
+            <a:ext cx="8280" cy="1013040"/>
           </a:xfrm>
           <a:custGeom>
             <a:avLst/>
@@ -7470,14 +7172,14 @@
       </p:sp>
       <p:sp>
         <p:nvSpPr>
-          <p:cNvPr id="171" name="CustomShape 16"/>
+          <p:cNvPr id="164" name="CustomShape 16"/>
           <p:cNvSpPr/>
           <p:nvPr/>
         </p:nvSpPr>
         <p:spPr>
-          <a:xfrm>
-            <a:off x="4480560" y="2611080"/>
-            <a:ext cx="818280" cy="1241280"/>
+          <a:xfrm flipV="1">
+            <a:off x="5040000" y="2592000"/>
+            <a:ext cx="360" cy="792000"/>
           </a:xfrm>
           <a:custGeom>
             <a:avLst/>
